--- a/results/S&P500 Stock Analysis.pptx
+++ b/results/S&P500 Stock Analysis.pptx
@@ -3654,13 +3654,13 @@
             <p:ph idx="1"/>
             <p:extLst>
               <p:ext uri="{D42A27DB-BD31-4B8C-83A1-F6EECF244321}">
-                <p14:modId xmlns:p14="http://schemas.microsoft.com/office/powerpoint/2010/main" val="2924004309"/>
+                <p14:modId xmlns:p14="http://schemas.microsoft.com/office/powerpoint/2010/main" val="3824390720"/>
               </p:ext>
             </p:extLst>
           </p:nvPr>
         </p:nvGraphicFramePr>
         <p:xfrm>
-          <a:off x="6365480" y="1825625"/>
+          <a:off x="6657011" y="2066074"/>
           <a:ext cx="4988320" cy="1112520"/>
         </p:xfrm>
         <a:graphic>
@@ -3850,7 +3850,7 @@
                     <a:p>
                       <a:r>
                         <a:rPr lang="en-US" dirty="0"/>
-                        <a:t>39%</a:t>
+                        <a:t>45%</a:t>
                       </a:r>
                     </a:p>
                   </a:txBody>
@@ -4026,8 +4026,8 @@
         </p:nvSpPr>
         <p:spPr>
           <a:xfrm>
-            <a:off x="168752" y="1825625"/>
-            <a:ext cx="5366239" cy="4971546"/>
+            <a:off x="168752" y="1690688"/>
+            <a:ext cx="5564889" cy="5167312"/>
           </a:xfrm>
           <a:prstGeom prst="rect">
             <a:avLst/>
@@ -4208,9 +4208,10 @@
             </a:r>
           </a:p>
           <a:p>
+            <a:pPr lvl="1"/>
             <a:r>
               <a:rPr lang="en-US" dirty="0"/>
-              <a:t>Accuracy of the clustering algorithm is ~ 40%</a:t>
+              <a:t>Accuracy of the clustering algorithm is ~ 45%</a:t>
             </a:r>
           </a:p>
           <a:p>
@@ -4226,9 +4227,17 @@
             </a:r>
           </a:p>
           <a:p>
+            <a:pPr lvl="1"/>
             <a:r>
               <a:rPr lang="en-US" dirty="0"/>
               <a:t>Overall accuracy of the combined Clustering  + GBT = 74%</a:t>
+            </a:r>
+          </a:p>
+          <a:p>
+            <a:pPr lvl="1"/>
+            <a:r>
+              <a:rPr lang="en-US" dirty="0"/>
+              <a:t>Significant improvement in classifying mid labels – decline-low, flat and up-low</a:t>
             </a:r>
           </a:p>
           <a:p>
@@ -4241,10 +4250,10 @@
       </p:sp>
       <p:pic>
         <p:nvPicPr>
-          <p:cNvPr id="3080" name="Picture 8">
+          <p:cNvPr id="1026" name="Picture 2">
             <a:extLst>
               <a:ext uri="{FF2B5EF4-FFF2-40B4-BE49-F238E27FC236}">
-                <a16:creationId xmlns:a16="http://schemas.microsoft.com/office/drawing/2014/main" id="{912FBDF9-A1DF-B864-0393-9A54C08925A4}"/>
+                <a16:creationId xmlns:a16="http://schemas.microsoft.com/office/drawing/2014/main" id="{61143792-19E7-227C-210E-F7A4D879533E}"/>
               </a:ext>
             </a:extLst>
           </p:cNvPr>
@@ -4268,8 +4277,8 @@
         </p:blipFill>
         <p:spPr bwMode="auto">
           <a:xfrm>
-            <a:off x="5574747" y="3578700"/>
-            <a:ext cx="6657008" cy="2914175"/>
+            <a:off x="5684121" y="3679406"/>
+            <a:ext cx="6426962" cy="2813469"/>
           </a:xfrm>
           <a:prstGeom prst="rect">
             <a:avLst/>
